--- a/docs/diagrams/EmailRequestEventSequenceDiagram.pptx
+++ b/docs/diagrams/EmailRequestEventSequenceDiagram.pptx
@@ -112,6 +112,10 @@
 </p:presentation>
 </file>
 
+<file path=ppt/revisionInfo.xml><?xml version="1.0" encoding="utf-8"?>
+<p1510:revInfo xmlns:a="http://schemas.openxmlformats.org/drawingml/2006/main" xmlns:r="http://schemas.openxmlformats.org/officeDocument/2006/relationships" xmlns:p1510="http://schemas.microsoft.com/office/powerpoint/2015/10/main"/>
+</file>
+
 <file path=ppt/changesInfos/changesInfo1.xml><?xml version="1.0" encoding="utf-8"?>
 <pc:chgInfo xmlns:a="http://schemas.openxmlformats.org/drawingml/2006/main" xmlns:r="http://schemas.openxmlformats.org/officeDocument/2006/relationships" xmlns:ac="http://schemas.microsoft.com/office/drawing/2013/main/command" xmlns:pc="http://schemas.microsoft.com/office/powerpoint/2013/main/command">
   <pc:docChgLst>
@@ -264,7 +268,7 @@
           <a:p>
             <a:fld id="{C032F659-3101-4308-A765-51CCE54A418A}" type="datetimeFigureOut">
               <a:rPr lang="en-SG" smtClean="0"/>
-              <a:t>20/10/2017</a:t>
+              <a:t>13/11/2017</a:t>
             </a:fld>
             <a:endParaRPr lang="en-SG"/>
           </a:p>
@@ -434,7 +438,7 @@
           <a:p>
             <a:fld id="{C032F659-3101-4308-A765-51CCE54A418A}" type="datetimeFigureOut">
               <a:rPr lang="en-SG" smtClean="0"/>
-              <a:t>20/10/2017</a:t>
+              <a:t>13/11/2017</a:t>
             </a:fld>
             <a:endParaRPr lang="en-SG"/>
           </a:p>
@@ -614,7 +618,7 @@
           <a:p>
             <a:fld id="{C032F659-3101-4308-A765-51CCE54A418A}" type="datetimeFigureOut">
               <a:rPr lang="en-SG" smtClean="0"/>
-              <a:t>20/10/2017</a:t>
+              <a:t>13/11/2017</a:t>
             </a:fld>
             <a:endParaRPr lang="en-SG"/>
           </a:p>
@@ -784,7 +788,7 @@
           <a:p>
             <a:fld id="{C032F659-3101-4308-A765-51CCE54A418A}" type="datetimeFigureOut">
               <a:rPr lang="en-SG" smtClean="0"/>
-              <a:t>20/10/2017</a:t>
+              <a:t>13/11/2017</a:t>
             </a:fld>
             <a:endParaRPr lang="en-SG"/>
           </a:p>
@@ -1030,7 +1034,7 @@
           <a:p>
             <a:fld id="{C032F659-3101-4308-A765-51CCE54A418A}" type="datetimeFigureOut">
               <a:rPr lang="en-SG" smtClean="0"/>
-              <a:t>20/10/2017</a:t>
+              <a:t>13/11/2017</a:t>
             </a:fld>
             <a:endParaRPr lang="en-SG"/>
           </a:p>
@@ -1262,7 +1266,7 @@
           <a:p>
             <a:fld id="{C032F659-3101-4308-A765-51CCE54A418A}" type="datetimeFigureOut">
               <a:rPr lang="en-SG" smtClean="0"/>
-              <a:t>20/10/2017</a:t>
+              <a:t>13/11/2017</a:t>
             </a:fld>
             <a:endParaRPr lang="en-SG"/>
           </a:p>
@@ -1629,7 +1633,7 @@
           <a:p>
             <a:fld id="{C032F659-3101-4308-A765-51CCE54A418A}" type="datetimeFigureOut">
               <a:rPr lang="en-SG" smtClean="0"/>
-              <a:t>20/10/2017</a:t>
+              <a:t>13/11/2017</a:t>
             </a:fld>
             <a:endParaRPr lang="en-SG"/>
           </a:p>
@@ -1747,7 +1751,7 @@
           <a:p>
             <a:fld id="{C032F659-3101-4308-A765-51CCE54A418A}" type="datetimeFigureOut">
               <a:rPr lang="en-SG" smtClean="0"/>
-              <a:t>20/10/2017</a:t>
+              <a:t>13/11/2017</a:t>
             </a:fld>
             <a:endParaRPr lang="en-SG"/>
           </a:p>
@@ -1842,7 +1846,7 @@
           <a:p>
             <a:fld id="{C032F659-3101-4308-A765-51CCE54A418A}" type="datetimeFigureOut">
               <a:rPr lang="en-SG" smtClean="0"/>
-              <a:t>20/10/2017</a:t>
+              <a:t>13/11/2017</a:t>
             </a:fld>
             <a:endParaRPr lang="en-SG"/>
           </a:p>
@@ -2119,7 +2123,7 @@
           <a:p>
             <a:fld id="{C032F659-3101-4308-A765-51CCE54A418A}" type="datetimeFigureOut">
               <a:rPr lang="en-SG" smtClean="0"/>
-              <a:t>20/10/2017</a:t>
+              <a:t>13/11/2017</a:t>
             </a:fld>
             <a:endParaRPr lang="en-SG"/>
           </a:p>
@@ -2372,7 +2376,7 @@
           <a:p>
             <a:fld id="{C032F659-3101-4308-A765-51CCE54A418A}" type="datetimeFigureOut">
               <a:rPr lang="en-SG" smtClean="0"/>
-              <a:t>20/10/2017</a:t>
+              <a:t>13/11/2017</a:t>
             </a:fld>
             <a:endParaRPr lang="en-SG"/>
           </a:p>
@@ -2585,7 +2589,7 @@
           <a:p>
             <a:fld id="{C032F659-3101-4308-A765-51CCE54A418A}" type="datetimeFigureOut">
               <a:rPr lang="en-SG" smtClean="0"/>
-              <a:t>20/10/2017</a:t>
+              <a:t>13/11/2017</a:t>
             </a:fld>
             <a:endParaRPr lang="en-SG"/>
           </a:p>
@@ -2998,7 +3002,7 @@
         </p:nvSpPr>
         <p:spPr>
           <a:xfrm>
-            <a:off x="7631451" y="2350383"/>
+            <a:off x="8438848" y="2350383"/>
             <a:ext cx="1093635" cy="346760"/>
           </a:xfrm>
           <a:prstGeom prst="rect">
@@ -3057,7 +3061,7 @@
         </p:nvCxnSpPr>
         <p:spPr>
           <a:xfrm>
-            <a:off x="8178268" y="2649672"/>
+            <a:off x="8985665" y="2649672"/>
             <a:ext cx="0" cy="1723059"/>
           </a:xfrm>
           <a:prstGeom prst="line">
@@ -3094,7 +3098,7 @@
         </p:nvSpPr>
         <p:spPr>
           <a:xfrm>
-            <a:off x="8106261" y="3485246"/>
+            <a:off x="8913658" y="3485246"/>
             <a:ext cx="133989" cy="306087"/>
           </a:xfrm>
           <a:prstGeom prst="rect">
@@ -3143,7 +3147,7 @@
         </p:nvCxnSpPr>
         <p:spPr>
           <a:xfrm>
-            <a:off x="5716981" y="3791332"/>
+            <a:off x="6524378" y="3791332"/>
             <a:ext cx="2456275" cy="0"/>
           </a:xfrm>
           <a:prstGeom prst="straightConnector1">
@@ -3181,7 +3185,7 @@
         </p:nvCxnSpPr>
         <p:spPr>
           <a:xfrm flipH="1" flipV="1">
-            <a:off x="5734224" y="3524085"/>
+            <a:off x="6541621" y="3497190"/>
             <a:ext cx="2372037" cy="0"/>
           </a:xfrm>
           <a:prstGeom prst="straightConnector1">
@@ -3220,7 +3224,7 @@
         </p:nvSpPr>
         <p:spPr>
           <a:xfrm>
-            <a:off x="5949928" y="3276600"/>
+            <a:off x="6757325" y="3249705"/>
             <a:ext cx="2659870" cy="215444"/>
           </a:xfrm>
           <a:prstGeom prst="rect">
@@ -3261,7 +3265,7 @@
         </p:nvGrpSpPr>
         <p:grpSpPr>
           <a:xfrm flipH="1">
-            <a:off x="8208441" y="3465645"/>
+            <a:off x="9015838" y="3465645"/>
             <a:ext cx="217349" cy="270072"/>
             <a:chOff x="1028134" y="5612032"/>
             <a:chExt cx="217349" cy="270072"/>
@@ -3416,7 +3420,7 @@
         </p:nvSpPr>
         <p:spPr>
           <a:xfrm flipH="1">
-            <a:off x="8426120" y="3345827"/>
+            <a:off x="9233517" y="3345827"/>
             <a:ext cx="1860881" cy="430887"/>
           </a:xfrm>
           <a:prstGeom prst="rect">
@@ -3451,7 +3455,7 @@
         </p:nvCxnSpPr>
         <p:spPr>
           <a:xfrm flipV="1">
-            <a:off x="3611392" y="3479862"/>
+            <a:off x="4397629" y="3358143"/>
             <a:ext cx="1991271" cy="12182"/>
           </a:xfrm>
           <a:prstGeom prst="straightConnector1">
@@ -3489,7 +3493,7 @@
         </p:nvSpPr>
         <p:spPr>
           <a:xfrm>
-            <a:off x="4724400" y="2361285"/>
+            <a:off x="5531797" y="2361285"/>
             <a:ext cx="1828800" cy="346760"/>
           </a:xfrm>
           <a:prstGeom prst="rect">
@@ -3560,7 +3564,7 @@
         </p:nvCxnSpPr>
         <p:spPr>
           <a:xfrm>
-            <a:off x="5654620" y="2714340"/>
+            <a:off x="6462017" y="2714340"/>
             <a:ext cx="0" cy="1723059"/>
           </a:xfrm>
           <a:prstGeom prst="line">
@@ -3599,8 +3603,8 @@
         </p:nvSpPr>
         <p:spPr>
           <a:xfrm>
-            <a:off x="5590980" y="3421309"/>
-            <a:ext cx="126000" cy="470451"/>
+            <a:off x="6390388" y="3345827"/>
+            <a:ext cx="156354" cy="545934"/>
           </a:xfrm>
           <a:prstGeom prst="rect">
             <a:avLst/>
@@ -3652,7 +3656,7 @@
         </p:nvCxnSpPr>
         <p:spPr>
           <a:xfrm>
-            <a:off x="3581401" y="3886200"/>
+            <a:off x="4388798" y="3886200"/>
             <a:ext cx="1979589" cy="0"/>
           </a:xfrm>
           <a:prstGeom prst="straightConnector1">
@@ -3698,7 +3702,7 @@
         </p:nvSpPr>
         <p:spPr>
           <a:xfrm>
-            <a:off x="3733800" y="3190359"/>
+            <a:off x="4587614" y="3111520"/>
             <a:ext cx="2438400" cy="215444"/>
           </a:xfrm>
           <a:prstGeom prst="rect">
@@ -3753,8 +3757,8 @@
         </p:nvSpPr>
         <p:spPr>
           <a:xfrm>
-            <a:off x="2480758" y="2368494"/>
-            <a:ext cx="2150817" cy="346760"/>
+            <a:off x="3288156" y="2368494"/>
+            <a:ext cx="1908362" cy="346760"/>
           </a:xfrm>
           <a:prstGeom prst="rect">
             <a:avLst/>
@@ -3819,12 +3823,14 @@
       <p:cxnSp>
         <p:nvCxnSpPr>
           <p:cNvPr id="83" name="Straight Connector 82"/>
-          <p:cNvCxnSpPr/>
+          <p:cNvCxnSpPr>
+            <a:cxnSpLocks/>
+          </p:cNvCxnSpPr>
           <p:nvPr/>
         </p:nvCxnSpPr>
         <p:spPr>
           <a:xfrm>
-            <a:off x="3511004" y="2732166"/>
+            <a:off x="4318401" y="2732166"/>
             <a:ext cx="0" cy="1723059"/>
           </a:xfrm>
           <a:prstGeom prst="line">
@@ -3863,8 +3869,8 @@
         </p:nvSpPr>
         <p:spPr>
           <a:xfrm>
-            <a:off x="3459687" y="3190359"/>
-            <a:ext cx="123325" cy="752414"/>
+            <a:off x="4187047" y="3274069"/>
+            <a:ext cx="203086" cy="691412"/>
           </a:xfrm>
           <a:prstGeom prst="rect">
             <a:avLst/>
@@ -3906,6 +3912,137 @@
           </a:p>
         </p:txBody>
       </p:sp>
+      <p:sp>
+        <p:nvSpPr>
+          <p:cNvPr id="24" name="TextBox 23">
+            <a:extLst>
+              <a:ext uri="{FF2B5EF4-FFF2-40B4-BE49-F238E27FC236}">
+                <a16:creationId xmlns:a16="http://schemas.microsoft.com/office/drawing/2014/main" id="{1FF0C362-3FB9-423A-B54C-82914462673F}"/>
+              </a:ext>
+            </a:extLst>
+          </p:cNvPr>
+          <p:cNvSpPr txBox="1"/>
+          <p:nvPr/>
+        </p:nvSpPr>
+        <p:spPr>
+          <a:xfrm>
+            <a:off x="2857552" y="3085283"/>
+            <a:ext cx="1424846" cy="215444"/>
+          </a:xfrm>
+          <a:prstGeom prst="rect">
+            <a:avLst/>
+          </a:prstGeom>
+          <a:noFill/>
+        </p:spPr>
+        <p:txBody>
+          <a:bodyPr wrap="square" lIns="0" tIns="0" rIns="0" bIns="0" rtlCol="0">
+            <a:spAutoFit/>
+          </a:bodyPr>
+          <a:lstStyle/>
+          <a:p>
+            <a:r>
+              <a:rPr lang="en-US" sz="1400" dirty="0">
+                <a:solidFill>
+                  <a:schemeClr val="accent6">
+                    <a:lumMod val="75000"/>
+                  </a:schemeClr>
+                </a:solidFill>
+              </a:rPr>
+              <a:t>execute()</a:t>
+            </a:r>
+          </a:p>
+        </p:txBody>
+      </p:sp>
+      <p:cxnSp>
+        <p:nvCxnSpPr>
+          <p:cNvPr id="25" name="Straight Arrow Connector 24">
+            <a:extLst>
+              <a:ext uri="{FF2B5EF4-FFF2-40B4-BE49-F238E27FC236}">
+                <a16:creationId xmlns:a16="http://schemas.microsoft.com/office/drawing/2014/main" id="{B73F1CEE-85E1-405D-9008-03C2453229F0}"/>
+              </a:ext>
+            </a:extLst>
+          </p:cNvPr>
+          <p:cNvCxnSpPr/>
+          <p:nvPr/>
+        </p:nvCxnSpPr>
+        <p:spPr>
+          <a:xfrm>
+            <a:off x="2085297" y="3967814"/>
+            <a:ext cx="2058118" cy="0"/>
+          </a:xfrm>
+          <a:prstGeom prst="straightConnector1">
+            <a:avLst/>
+          </a:prstGeom>
+          <a:ln w="19050">
+            <a:solidFill>
+              <a:schemeClr val="accent6">
+                <a:lumMod val="75000"/>
+              </a:schemeClr>
+            </a:solidFill>
+            <a:prstDash val="sysDash"/>
+            <a:headEnd type="arrow" w="med" len="med"/>
+            <a:tailEnd type="none" w="med" len="med"/>
+          </a:ln>
+        </p:spPr>
+        <p:style>
+          <a:lnRef idx="1">
+            <a:schemeClr val="accent1"/>
+          </a:lnRef>
+          <a:fillRef idx="0">
+            <a:schemeClr val="accent1"/>
+          </a:fillRef>
+          <a:effectRef idx="0">
+            <a:schemeClr val="accent1"/>
+          </a:effectRef>
+          <a:fontRef idx="minor">
+            <a:schemeClr val="tx1"/>
+          </a:fontRef>
+        </p:style>
+      </p:cxnSp>
+      <p:cxnSp>
+        <p:nvCxnSpPr>
+          <p:cNvPr id="26" name="Straight Arrow Connector 25">
+            <a:extLst>
+              <a:ext uri="{FF2B5EF4-FFF2-40B4-BE49-F238E27FC236}">
+                <a16:creationId xmlns:a16="http://schemas.microsoft.com/office/drawing/2014/main" id="{60434B1A-75F3-4C5B-A7AB-B73BFD3B2656}"/>
+              </a:ext>
+            </a:extLst>
+          </p:cNvPr>
+          <p:cNvCxnSpPr>
+            <a:cxnSpLocks/>
+          </p:cNvCxnSpPr>
+          <p:nvPr/>
+        </p:nvCxnSpPr>
+        <p:spPr>
+          <a:xfrm>
+            <a:off x="2085298" y="3289969"/>
+            <a:ext cx="2092013" cy="0"/>
+          </a:xfrm>
+          <a:prstGeom prst="straightConnector1">
+            <a:avLst/>
+          </a:prstGeom>
+          <a:ln w="19050">
+            <a:solidFill>
+              <a:srgbClr val="0070C0"/>
+            </a:solidFill>
+            <a:tailEnd type="arrow"/>
+          </a:ln>
+        </p:spPr>
+        <p:style>
+          <a:lnRef idx="1">
+            <a:schemeClr val="accent1"/>
+          </a:lnRef>
+          <a:fillRef idx="0">
+            <a:schemeClr val="accent1"/>
+          </a:fillRef>
+          <a:effectRef idx="0">
+            <a:schemeClr val="accent1"/>
+          </a:effectRef>
+          <a:fontRef idx="minor">
+            <a:schemeClr val="tx1"/>
+          </a:fontRef>
+        </p:style>
+      </p:cxnSp>
     </p:spTree>
     <p:extLst>
       <p:ext uri="{BB962C8B-B14F-4D97-AF65-F5344CB8AC3E}">
